--- a/CalendarioAgo21/Ejercicios/Ejercicio15/Ejer15_VLANs_DHCP_NAT_PAT.pptx
+++ b/CalendarioAgo21/Ejercicios/Ejercicio15/Ejer15_VLANs_DHCP_NAT_PAT.pptx
@@ -1820,7 +1820,7 @@
           <a:p>
             <a:fld id="{1D8BD707-D9CF-40AE-B4C6-C98DA3205C09}" type="datetimeFigureOut">
               <a:rPr lang="en-US"/>
-              <a:t>11/8/2021</a:t>
+              <a:t>11/10/2021</a:t>
             </a:fld>
             <a:endParaRPr lang="en-US" dirty="0"/>
           </a:p>
@@ -1997,7 +1997,7 @@
           <a:p>
             <a:fld id="{1D8BD707-D9CF-40AE-B4C6-C98DA3205C09}" type="datetimeFigureOut">
               <a:rPr lang="en-US"/>
-              <a:t>11/8/2021</a:t>
+              <a:t>11/10/2021</a:t>
             </a:fld>
             <a:endParaRPr lang="en-US" dirty="0"/>
           </a:p>
@@ -2211,7 +2211,7 @@
           <a:p>
             <a:fld id="{1D8BD707-D9CF-40AE-B4C6-C98DA3205C09}" type="datetimeFigureOut">
               <a:rPr lang="en-US"/>
-              <a:t>11/8/2021</a:t>
+              <a:t>11/10/2021</a:t>
             </a:fld>
             <a:endParaRPr lang="en-US" dirty="0"/>
           </a:p>
@@ -2359,7 +2359,7 @@
           <a:p>
             <a:fld id="{1D8BD707-D9CF-40AE-B4C6-C98DA3205C09}" type="datetimeFigureOut">
               <a:rPr lang="en-US"/>
-              <a:t>11/8/2021</a:t>
+              <a:t>11/10/2021</a:t>
             </a:fld>
             <a:endParaRPr lang="en-US" dirty="0"/>
           </a:p>
@@ -2515,7 +2515,7 @@
           <a:p>
             <a:fld id="{1D8BD707-D9CF-40AE-B4C6-C98DA3205C09}" type="datetimeFigureOut">
               <a:rPr lang="en-US"/>
-              <a:t>11/8/2021</a:t>
+              <a:t>11/10/2021</a:t>
             </a:fld>
             <a:endParaRPr lang="en-US" dirty="0"/>
           </a:p>
@@ -2600,7 +2600,7 @@
           <a:p>
             <a:fld id="{5E75A0DC-66C6-4CEC-A5EB-F8C97CEC3796}" type="datetimeFigureOut">
               <a:rPr lang="es-MX" smtClean="0"/>
-              <a:t>08/11/2021</a:t>
+              <a:t>10/11/2021</a:t>
             </a:fld>
             <a:endParaRPr lang="es-MX" dirty="0"/>
           </a:p>
@@ -2850,7 +2850,7 @@
           <a:p>
             <a:fld id="{1D8BD707-D9CF-40AE-B4C6-C98DA3205C09}" type="datetimeFigureOut">
               <a:rPr lang="en-US"/>
-              <a:t>11/8/2021</a:t>
+              <a:t>11/10/2021</a:t>
             </a:fld>
             <a:endParaRPr lang="en-US" dirty="0"/>
           </a:p>
@@ -11620,7 +11620,7 @@
                 <a:latin typeface="Arial" panose="020B0604020202020204" pitchFamily="34" charset="0"/>
                 <a:cs typeface="Arial" panose="020B0604020202020204" pitchFamily="34" charset="0"/>
               </a:rPr>
-              <a:t>(defino las direcciones IP privadas que tienen permiso a ser traducidas): :</a:t>
+              <a:t>(defino las direcciones IP privadas que tienen permiso a ser traducidas): </a:t>
             </a:r>
           </a:p>
           <a:p>
